--- a/fig/full_empty_circuit.pptx
+++ b/fig/full_empty_circuit.pptx
@@ -3346,9 +3346,179 @@
           <a:prstGeom prst="rect">
             <a:avLst/>
           </a:prstGeom>
+        </p:spPr>
+        <p:style>
+          <a:lnRef idx="2">
+            <a:schemeClr val="accent3">
+              <a:shade val="50000"/>
+            </a:schemeClr>
+          </a:lnRef>
+          <a:fillRef idx="1">
+            <a:schemeClr val="accent3"/>
+          </a:fillRef>
+          <a:effectRef idx="0">
+            <a:schemeClr val="accent3"/>
+          </a:effectRef>
+          <a:fontRef idx="minor">
+            <a:schemeClr val="lt1"/>
+          </a:fontRef>
+        </p:style>
+        <p:txBody>
+          <a:bodyPr rtlCol="0" anchor="ctr"/>
+          <a:lstStyle/>
+          <a:p>
+            <a:pPr algn="ctr"/>
+            <a:r>
+              <a:rPr lang="en-US" dirty="0"/>
+              <a:t>req</a:t>
+            </a:r>
+          </a:p>
+          <a:p>
+            <a:pPr algn="ctr"/>
+            <a:r>
+              <a:rPr lang="en-US" dirty="0"/>
+              <a:t>register</a:t>
+            </a:r>
+          </a:p>
+        </p:txBody>
+      </p:sp>
+      <p:sp>
+        <p:nvSpPr>
+          <p:cNvPr id="8" name="Rectangle 7">
+            <a:extLst>
+              <a:ext uri="{FF2B5EF4-FFF2-40B4-BE49-F238E27FC236}">
+                <a16:creationId xmlns:a16="http://schemas.microsoft.com/office/drawing/2014/main" id="{74E55C50-799A-45C6-8C1B-102557A8842A}"/>
+              </a:ext>
+            </a:extLst>
+          </p:cNvPr>
+          <p:cNvSpPr/>
+          <p:nvPr/>
+        </p:nvSpPr>
+        <p:spPr>
+          <a:xfrm>
+            <a:off x="5507734" y="4326840"/>
+            <a:ext cx="997330" cy="682238"/>
+          </a:xfrm>
+          <a:prstGeom prst="rect">
+            <a:avLst/>
+          </a:prstGeom>
+        </p:spPr>
+        <p:style>
+          <a:lnRef idx="2">
+            <a:schemeClr val="accent3">
+              <a:shade val="50000"/>
+            </a:schemeClr>
+          </a:lnRef>
+          <a:fillRef idx="1">
+            <a:schemeClr val="accent3"/>
+          </a:fillRef>
+          <a:effectRef idx="0">
+            <a:schemeClr val="accent3"/>
+          </a:effectRef>
+          <a:fontRef idx="minor">
+            <a:schemeClr val="lt1"/>
+          </a:fontRef>
+        </p:style>
+        <p:txBody>
+          <a:bodyPr rtlCol="0" anchor="ctr"/>
+          <a:lstStyle/>
+          <a:p>
+            <a:pPr algn="ctr"/>
+            <a:r>
+              <a:rPr lang="en-US" dirty="0"/>
+              <a:t>req int</a:t>
+            </a:r>
+          </a:p>
+          <a:p>
+            <a:pPr algn="ctr"/>
+            <a:r>
+              <a:rPr lang="en-US" dirty="0"/>
+              <a:t>register</a:t>
+            </a:r>
+          </a:p>
+        </p:txBody>
+      </p:sp>
+      <p:sp>
+        <p:nvSpPr>
+          <p:cNvPr id="14" name="Rectangle 13">
+            <a:extLst>
+              <a:ext uri="{FF2B5EF4-FFF2-40B4-BE49-F238E27FC236}">
+                <a16:creationId xmlns:a16="http://schemas.microsoft.com/office/drawing/2014/main" id="{705FE539-4410-46D2-92AD-0B372FC7DA00}"/>
+              </a:ext>
+            </a:extLst>
+          </p:cNvPr>
+          <p:cNvSpPr/>
+          <p:nvPr/>
+        </p:nvSpPr>
+        <p:spPr>
+          <a:xfrm>
+            <a:off x="3837073" y="4325568"/>
+            <a:ext cx="997330" cy="682238"/>
+          </a:xfrm>
+          <a:prstGeom prst="rect">
+            <a:avLst/>
+          </a:prstGeom>
           <a:solidFill>
+            <a:schemeClr val="accent3">
+              <a:lumMod val="50000"/>
+            </a:schemeClr>
+          </a:solidFill>
+        </p:spPr>
+        <p:style>
+          <a:lnRef idx="2">
+            <a:schemeClr val="accent3">
+              <a:shade val="50000"/>
+            </a:schemeClr>
+          </a:lnRef>
+          <a:fillRef idx="1">
             <a:schemeClr val="accent3"/>
-          </a:solidFill>
+          </a:fillRef>
+          <a:effectRef idx="0">
+            <a:schemeClr val="accent3"/>
+          </a:effectRef>
+          <a:fontRef idx="minor">
+            <a:schemeClr val="lt1"/>
+          </a:fontRef>
+        </p:style>
+        <p:txBody>
+          <a:bodyPr rtlCol="0" anchor="ctr"/>
+          <a:lstStyle/>
+          <a:p>
+            <a:pPr algn="ctr"/>
+            <a:r>
+              <a:rPr lang="en-US" dirty="0"/>
+              <a:t>req</a:t>
+            </a:r>
+          </a:p>
+          <a:p>
+            <a:pPr algn="ctr"/>
+            <a:r>
+              <a:rPr lang="en-US" dirty="0"/>
+              <a:t>latch</a:t>
+            </a:r>
+          </a:p>
+        </p:txBody>
+      </p:sp>
+      <p:sp>
+        <p:nvSpPr>
+          <p:cNvPr id="18" name="Rectangle 17">
+            <a:extLst>
+              <a:ext uri="{FF2B5EF4-FFF2-40B4-BE49-F238E27FC236}">
+                <a16:creationId xmlns:a16="http://schemas.microsoft.com/office/drawing/2014/main" id="{53EC7A1F-BF17-4FE1-B4AF-70135648EE48}"/>
+              </a:ext>
+            </a:extLst>
+          </p:cNvPr>
+          <p:cNvSpPr/>
+          <p:nvPr/>
+        </p:nvSpPr>
+        <p:spPr>
+          <a:xfrm>
+            <a:off x="3836213" y="1959674"/>
+            <a:ext cx="997330" cy="682238"/>
+          </a:xfrm>
+          <a:prstGeom prst="rect">
+            <a:avLst/>
+          </a:prstGeom>
         </p:spPr>
         <p:style>
           <a:lnRef idx="2">
@@ -3373,7 +3543,7 @@
             <a:pPr algn="ctr"/>
             <a:r>
               <a:rPr lang="en-US" dirty="0"/>
-              <a:t>req</a:t>
+              <a:t>ack</a:t>
             </a:r>
           </a:p>
           <a:p>
@@ -3387,10 +3557,10 @@
       </p:sp>
       <p:sp>
         <p:nvSpPr>
-          <p:cNvPr id="8" name="Rectangle 7">
-            <a:extLst>
-              <a:ext uri="{FF2B5EF4-FFF2-40B4-BE49-F238E27FC236}">
-                <a16:creationId xmlns:a16="http://schemas.microsoft.com/office/drawing/2014/main" id="{74E55C50-799A-45C6-8C1B-102557A8842A}"/>
+          <p:cNvPr id="20" name="Rectangle 19">
+            <a:extLst>
+              <a:ext uri="{FF2B5EF4-FFF2-40B4-BE49-F238E27FC236}">
+                <a16:creationId xmlns:a16="http://schemas.microsoft.com/office/drawing/2014/main" id="{03ADB3E3-CDAF-45E3-BF31-40D1B8737F20}"/>
               </a:ext>
             </a:extLst>
           </p:cNvPr>
@@ -3399,15 +3569,12 @@
         </p:nvSpPr>
         <p:spPr>
           <a:xfrm>
-            <a:off x="5507734" y="4326840"/>
+            <a:off x="5507734" y="1959674"/>
             <a:ext cx="997330" cy="682238"/>
           </a:xfrm>
           <a:prstGeom prst="rect">
             <a:avLst/>
           </a:prstGeom>
-          <a:solidFill>
-            <a:schemeClr val="accent3"/>
-          </a:solidFill>
         </p:spPr>
         <p:style>
           <a:lnRef idx="2">
@@ -3432,185 +3599,6 @@
             <a:pPr algn="ctr"/>
             <a:r>
               <a:rPr lang="en-US" dirty="0"/>
-              <a:t>req int</a:t>
-            </a:r>
-          </a:p>
-          <a:p>
-            <a:pPr algn="ctr"/>
-            <a:r>
-              <a:rPr lang="en-US" dirty="0"/>
-              <a:t>register</a:t>
-            </a:r>
-          </a:p>
-        </p:txBody>
-      </p:sp>
-      <p:sp>
-        <p:nvSpPr>
-          <p:cNvPr id="14" name="Rectangle 13">
-            <a:extLst>
-              <a:ext uri="{FF2B5EF4-FFF2-40B4-BE49-F238E27FC236}">
-                <a16:creationId xmlns:a16="http://schemas.microsoft.com/office/drawing/2014/main" id="{705FE539-4410-46D2-92AD-0B372FC7DA00}"/>
-              </a:ext>
-            </a:extLst>
-          </p:cNvPr>
-          <p:cNvSpPr/>
-          <p:nvPr/>
-        </p:nvSpPr>
-        <p:spPr>
-          <a:xfrm>
-            <a:off x="3837073" y="4325568"/>
-            <a:ext cx="997330" cy="682238"/>
-          </a:xfrm>
-          <a:prstGeom prst="rect">
-            <a:avLst/>
-          </a:prstGeom>
-          <a:solidFill>
-            <a:schemeClr val="accent3">
-              <a:lumMod val="50000"/>
-            </a:schemeClr>
-          </a:solidFill>
-        </p:spPr>
-        <p:style>
-          <a:lnRef idx="2">
-            <a:schemeClr val="accent3">
-              <a:shade val="50000"/>
-            </a:schemeClr>
-          </a:lnRef>
-          <a:fillRef idx="1">
-            <a:schemeClr val="accent3"/>
-          </a:fillRef>
-          <a:effectRef idx="0">
-            <a:schemeClr val="accent3"/>
-          </a:effectRef>
-          <a:fontRef idx="minor">
-            <a:schemeClr val="lt1"/>
-          </a:fontRef>
-        </p:style>
-        <p:txBody>
-          <a:bodyPr rtlCol="0" anchor="ctr"/>
-          <a:lstStyle/>
-          <a:p>
-            <a:pPr algn="ctr"/>
-            <a:r>
-              <a:rPr lang="en-US" dirty="0"/>
-              <a:t>req</a:t>
-            </a:r>
-          </a:p>
-          <a:p>
-            <a:pPr algn="ctr"/>
-            <a:r>
-              <a:rPr lang="en-US" dirty="0"/>
-              <a:t>latch</a:t>
-            </a:r>
-          </a:p>
-        </p:txBody>
-      </p:sp>
-      <p:sp>
-        <p:nvSpPr>
-          <p:cNvPr id="18" name="Rectangle 17">
-            <a:extLst>
-              <a:ext uri="{FF2B5EF4-FFF2-40B4-BE49-F238E27FC236}">
-                <a16:creationId xmlns:a16="http://schemas.microsoft.com/office/drawing/2014/main" id="{53EC7A1F-BF17-4FE1-B4AF-70135648EE48}"/>
-              </a:ext>
-            </a:extLst>
-          </p:cNvPr>
-          <p:cNvSpPr/>
-          <p:nvPr/>
-        </p:nvSpPr>
-        <p:spPr>
-          <a:xfrm>
-            <a:off x="3836213" y="1959674"/>
-            <a:ext cx="997330" cy="682238"/>
-          </a:xfrm>
-          <a:prstGeom prst="rect">
-            <a:avLst/>
-          </a:prstGeom>
-          <a:solidFill>
-            <a:schemeClr val="accent2"/>
-          </a:solidFill>
-        </p:spPr>
-        <p:style>
-          <a:lnRef idx="2">
-            <a:schemeClr val="accent3">
-              <a:shade val="50000"/>
-            </a:schemeClr>
-          </a:lnRef>
-          <a:fillRef idx="1">
-            <a:schemeClr val="accent3"/>
-          </a:fillRef>
-          <a:effectRef idx="0">
-            <a:schemeClr val="accent3"/>
-          </a:effectRef>
-          <a:fontRef idx="minor">
-            <a:schemeClr val="lt1"/>
-          </a:fontRef>
-        </p:style>
-        <p:txBody>
-          <a:bodyPr rtlCol="0" anchor="ctr"/>
-          <a:lstStyle/>
-          <a:p>
-            <a:pPr algn="ctr"/>
-            <a:r>
-              <a:rPr lang="en-US" dirty="0"/>
-              <a:t>ack</a:t>
-            </a:r>
-          </a:p>
-          <a:p>
-            <a:pPr algn="ctr"/>
-            <a:r>
-              <a:rPr lang="en-US" dirty="0"/>
-              <a:t>register</a:t>
-            </a:r>
-          </a:p>
-        </p:txBody>
-      </p:sp>
-      <p:sp>
-        <p:nvSpPr>
-          <p:cNvPr id="20" name="Rectangle 19">
-            <a:extLst>
-              <a:ext uri="{FF2B5EF4-FFF2-40B4-BE49-F238E27FC236}">
-                <a16:creationId xmlns:a16="http://schemas.microsoft.com/office/drawing/2014/main" id="{03ADB3E3-CDAF-45E3-BF31-40D1B8737F20}"/>
-              </a:ext>
-            </a:extLst>
-          </p:cNvPr>
-          <p:cNvSpPr/>
-          <p:nvPr/>
-        </p:nvSpPr>
-        <p:spPr>
-          <a:xfrm>
-            <a:off x="5507734" y="1959674"/>
-            <a:ext cx="997330" cy="682238"/>
-          </a:xfrm>
-          <a:prstGeom prst="rect">
-            <a:avLst/>
-          </a:prstGeom>
-          <a:solidFill>
-            <a:schemeClr val="accent2"/>
-          </a:solidFill>
-        </p:spPr>
-        <p:style>
-          <a:lnRef idx="2">
-            <a:schemeClr val="accent3">
-              <a:shade val="50000"/>
-            </a:schemeClr>
-          </a:lnRef>
-          <a:fillRef idx="1">
-            <a:schemeClr val="accent3"/>
-          </a:fillRef>
-          <a:effectRef idx="0">
-            <a:schemeClr val="accent3"/>
-          </a:effectRef>
-          <a:fontRef idx="minor">
-            <a:schemeClr val="lt1"/>
-          </a:fontRef>
-        </p:style>
-        <p:txBody>
-          <a:bodyPr rtlCol="0" anchor="ctr"/>
-          <a:lstStyle/>
-          <a:p>
-            <a:pPr algn="ctr"/>
-            <a:r>
-              <a:rPr lang="en-US" dirty="0"/>
               <a:t>ack int</a:t>
             </a:r>
           </a:p>
@@ -4441,6 +4429,16 @@
           <a:prstGeom prst="triangle">
             <a:avLst/>
           </a:prstGeom>
+          <a:solidFill>
+            <a:schemeClr val="accent2"/>
+          </a:solidFill>
+          <a:ln>
+            <a:solidFill>
+              <a:schemeClr val="accent2">
+                <a:lumMod val="75000"/>
+              </a:schemeClr>
+            </a:solidFill>
+          </a:ln>
         </p:spPr>
         <p:style>
           <a:lnRef idx="2">
@@ -4485,6 +4483,16 @@
           <a:prstGeom prst="triangle">
             <a:avLst/>
           </a:prstGeom>
+          <a:solidFill>
+            <a:schemeClr val="accent2"/>
+          </a:solidFill>
+          <a:ln>
+            <a:solidFill>
+              <a:schemeClr val="accent2">
+                <a:lumMod val="75000"/>
+              </a:schemeClr>
+            </a:solidFill>
+          </a:ln>
         </p:spPr>
         <p:style>
           <a:lnRef idx="2">
@@ -4529,6 +4537,16 @@
           <a:prstGeom prst="triangle">
             <a:avLst/>
           </a:prstGeom>
+          <a:solidFill>
+            <a:schemeClr val="accent3"/>
+          </a:solidFill>
+          <a:ln>
+            <a:solidFill>
+              <a:schemeClr val="accent3">
+                <a:lumMod val="75000"/>
+              </a:schemeClr>
+            </a:solidFill>
+          </a:ln>
         </p:spPr>
         <p:style>
           <a:lnRef idx="2">
@@ -4573,6 +4591,16 @@
           <a:prstGeom prst="triangle">
             <a:avLst/>
           </a:prstGeom>
+          <a:solidFill>
+            <a:schemeClr val="accent2"/>
+          </a:solidFill>
+          <a:ln>
+            <a:solidFill>
+              <a:schemeClr val="accent2">
+                <a:lumMod val="75000"/>
+              </a:schemeClr>
+            </a:solidFill>
+          </a:ln>
         </p:spPr>
         <p:style>
           <a:lnRef idx="2">
@@ -4710,6 +4738,16 @@
           <a:prstGeom prst="triangle">
             <a:avLst/>
           </a:prstGeom>
+          <a:solidFill>
+            <a:schemeClr val="accent3"/>
+          </a:solidFill>
+          <a:ln>
+            <a:solidFill>
+              <a:schemeClr val="accent3">
+                <a:lumMod val="75000"/>
+              </a:schemeClr>
+            </a:solidFill>
+          </a:ln>
         </p:spPr>
         <p:style>
           <a:lnRef idx="2">
@@ -4754,6 +4792,16 @@
           <a:prstGeom prst="triangle">
             <a:avLst/>
           </a:prstGeom>
+          <a:solidFill>
+            <a:schemeClr val="accent3"/>
+          </a:solidFill>
+          <a:ln>
+            <a:solidFill>
+              <a:schemeClr val="accent3">
+                <a:lumMod val="75000"/>
+              </a:schemeClr>
+            </a:solidFill>
+          </a:ln>
         </p:spPr>
         <p:style>
           <a:lnRef idx="2">

--- a/fig/full_empty_circuit.pptx
+++ b/fig/full_empty_circuit.pptx
@@ -3340,7 +3340,7 @@
         </p:nvSpPr>
         <p:spPr>
           <a:xfrm>
-            <a:off x="7179255" y="4326840"/>
+            <a:off x="7179255" y="3755338"/>
             <a:ext cx="997330" cy="682238"/>
           </a:xfrm>
           <a:prstGeom prst="rect">
@@ -3396,7 +3396,7 @@
         </p:nvSpPr>
         <p:spPr>
           <a:xfrm>
-            <a:off x="5507734" y="4326840"/>
+            <a:off x="5507734" y="3755338"/>
             <a:ext cx="997330" cy="682238"/>
           </a:xfrm>
           <a:prstGeom prst="rect">
@@ -3452,7 +3452,7 @@
         </p:nvSpPr>
         <p:spPr>
           <a:xfrm>
-            <a:off x="3837073" y="4325568"/>
+            <a:off x="3837073" y="3754066"/>
             <a:ext cx="997330" cy="682238"/>
           </a:xfrm>
           <a:prstGeom prst="rect">
@@ -3782,7 +3782,7 @@
         </p:nvCxnSpPr>
         <p:spPr>
           <a:xfrm>
-            <a:off x="5107093" y="4667349"/>
+            <a:off x="5107093" y="4095847"/>
             <a:ext cx="400641" cy="610"/>
           </a:xfrm>
           <a:prstGeom prst="straightConnector1">
@@ -3828,7 +3828,7 @@
         </p:nvCxnSpPr>
         <p:spPr>
           <a:xfrm>
-            <a:off x="6505064" y="4667959"/>
+            <a:off x="6505064" y="4096457"/>
             <a:ext cx="674191" cy="0"/>
           </a:xfrm>
           <a:prstGeom prst="straightConnector1">
@@ -3905,7 +3905,7 @@
         </p:nvSpPr>
         <p:spPr>
           <a:xfrm>
-            <a:off x="3720363" y="3994015"/>
+            <a:off x="3720363" y="3422513"/>
             <a:ext cx="678983" cy="369332"/>
           </a:xfrm>
           <a:prstGeom prst="rect">
@@ -3940,7 +3940,7 @@
         </p:nvSpPr>
         <p:spPr>
           <a:xfrm>
-            <a:off x="3410100" y="4323452"/>
+            <a:off x="3410100" y="3751950"/>
             <a:ext cx="497453" cy="369332"/>
           </a:xfrm>
           <a:prstGeom prst="rect">
@@ -3980,7 +3980,7 @@
         <p:spPr>
           <a:xfrm flipH="1" flipV="1">
             <a:off x="7676915" y="2727539"/>
-            <a:ext cx="1005" cy="1599301"/>
+            <a:ext cx="1005" cy="1027799"/>
           </a:xfrm>
           <a:prstGeom prst="straightConnector1">
             <a:avLst/>
@@ -4060,8 +4060,8 @@
         </p:nvCxnSpPr>
         <p:spPr>
           <a:xfrm rot="16200000" flipH="1">
-            <a:off x="6877767" y="2419674"/>
-            <a:ext cx="1642660" cy="1496292"/>
+            <a:off x="7163518" y="2133923"/>
+            <a:ext cx="1071158" cy="1496292"/>
           </a:xfrm>
           <a:prstGeom prst="bentConnector2">
             <a:avLst/>
@@ -4106,7 +4106,7 @@
         <p:spPr>
           <a:xfrm>
             <a:off x="4334878" y="2641912"/>
-            <a:ext cx="860" cy="1683656"/>
+            <a:ext cx="860" cy="1112154"/>
           </a:xfrm>
           <a:prstGeom prst="straightConnector1">
             <a:avLst/>
@@ -4151,8 +4151,8 @@
         </p:nvCxnSpPr>
         <p:spPr>
           <a:xfrm>
-            <a:off x="4682675" y="1146768"/>
-            <a:ext cx="1017409" cy="817671"/>
+            <a:off x="4682675" y="1739433"/>
+            <a:ext cx="1017409" cy="225006"/>
           </a:xfrm>
           <a:prstGeom prst="bentConnector2">
             <a:avLst/>
@@ -4197,8 +4197,8 @@
         </p:nvCxnSpPr>
         <p:spPr>
           <a:xfrm rot="10800000">
-            <a:off x="5699808" y="5009079"/>
-            <a:ext cx="1634759" cy="799751"/>
+            <a:off x="5699808" y="4437576"/>
+            <a:ext cx="1634759" cy="202856"/>
           </a:xfrm>
           <a:prstGeom prst="bentConnector2">
             <a:avLst/>
@@ -4243,12 +4243,12 @@
         </p:nvCxnSpPr>
         <p:spPr>
           <a:xfrm rot="16200000" flipH="1">
-            <a:off x="1846418" y="2214394"/>
-            <a:ext cx="3815754" cy="1770994"/>
+            <a:off x="2428502" y="2224975"/>
+            <a:ext cx="2651587" cy="1770994"/>
           </a:xfrm>
           <a:prstGeom prst="bentConnector3">
             <a:avLst>
-              <a:gd name="adj1" fmla="val 105991"/>
+              <a:gd name="adj1" fmla="val 108621"/>
             </a:avLst>
           </a:prstGeom>
           <a:ln w="19050">
@@ -4284,17 +4284,19 @@
           </p:cNvPr>
           <p:cNvCxnSpPr>
             <a:cxnSpLocks/>
+            <a:stCxn id="632" idx="0"/>
+            <a:endCxn id="439" idx="3"/>
           </p:cNvCxnSpPr>
           <p:nvPr/>
         </p:nvCxnSpPr>
         <p:spPr>
           <a:xfrm rot="16200000" flipV="1">
-            <a:off x="6351025" y="2977832"/>
-            <a:ext cx="3803908" cy="1777314"/>
+            <a:off x="6951286" y="2385707"/>
+            <a:ext cx="2635513" cy="1783442"/>
           </a:xfrm>
           <a:prstGeom prst="bentConnector3">
             <a:avLst>
-              <a:gd name="adj1" fmla="val 106010"/>
+              <a:gd name="adj1" fmla="val 108674"/>
             </a:avLst>
           </a:prstGeom>
           <a:ln w="19050">
@@ -4381,7 +4383,7 @@
         </p:nvCxnSpPr>
         <p:spPr>
           <a:xfrm>
-            <a:off x="2154981" y="4666687"/>
+            <a:off x="2154981" y="4095185"/>
             <a:ext cx="1682092" cy="0"/>
           </a:xfrm>
           <a:prstGeom prst="straightConnector1">
@@ -4423,7 +4425,7 @@
         </p:nvSpPr>
         <p:spPr>
           <a:xfrm>
-            <a:off x="7312729" y="4892827"/>
+            <a:off x="7312729" y="4321325"/>
             <a:ext cx="134850" cy="116250"/>
           </a:xfrm>
           <a:prstGeom prst="triangle">
@@ -4477,7 +4479,7 @@
         </p:nvSpPr>
         <p:spPr>
           <a:xfrm>
-            <a:off x="5635930" y="4898947"/>
+            <a:off x="5635930" y="4327445"/>
             <a:ext cx="127753" cy="110131"/>
           </a:xfrm>
           <a:prstGeom prst="triangle">
@@ -4585,7 +4587,7 @@
         </p:nvSpPr>
         <p:spPr>
           <a:xfrm>
-            <a:off x="4573130" y="4892835"/>
+            <a:off x="4573130" y="4321333"/>
             <a:ext cx="133323" cy="114933"/>
           </a:xfrm>
           <a:prstGeom prst="triangle">
@@ -4639,7 +4641,7 @@
         </p:nvSpPr>
         <p:spPr>
           <a:xfrm>
-            <a:off x="4592180" y="1101520"/>
+            <a:off x="4592180" y="1694185"/>
             <a:ext cx="90495" cy="90495"/>
           </a:xfrm>
           <a:prstGeom prst="flowChartConnector">
@@ -4695,7 +4697,7 @@
         </p:nvCxnSpPr>
         <p:spPr>
           <a:xfrm>
-            <a:off x="2914045" y="1146767"/>
+            <a:off x="2914045" y="1739432"/>
             <a:ext cx="1678135" cy="1"/>
           </a:xfrm>
           <a:prstGeom prst="line">
@@ -4840,7 +4842,7 @@
         </p:nvSpPr>
         <p:spPr>
           <a:xfrm>
-            <a:off x="7334566" y="5763581"/>
+            <a:off x="7334566" y="4595184"/>
             <a:ext cx="90495" cy="90495"/>
           </a:xfrm>
           <a:prstGeom prst="flowChartConnector">
@@ -4896,7 +4898,7 @@
         </p:nvCxnSpPr>
         <p:spPr>
           <a:xfrm>
-            <a:off x="7425061" y="5808829"/>
+            <a:off x="7425061" y="4640432"/>
             <a:ext cx="1690454" cy="0"/>
           </a:xfrm>
           <a:prstGeom prst="line">
@@ -4933,7 +4935,7 @@
         </p:nvSpPr>
         <p:spPr>
           <a:xfrm>
-            <a:off x="5016598" y="4622101"/>
+            <a:off x="5016598" y="4050599"/>
             <a:ext cx="90495" cy="90495"/>
           </a:xfrm>
           <a:prstGeom prst="flowChartConnector">
@@ -4988,7 +4990,7 @@
         </p:nvCxnSpPr>
         <p:spPr>
           <a:xfrm>
-            <a:off x="4834403" y="4666687"/>
+            <a:off x="4834403" y="4095185"/>
             <a:ext cx="182195" cy="662"/>
           </a:xfrm>
           <a:prstGeom prst="line">
@@ -5125,7 +5127,7 @@
         </p:nvSpPr>
         <p:spPr>
           <a:xfrm>
-            <a:off x="2823550" y="1101519"/>
+            <a:off x="2823550" y="1694184"/>
             <a:ext cx="90495" cy="90495"/>
           </a:xfrm>
           <a:prstGeom prst="flowChartConnector">
@@ -5180,7 +5182,7 @@
         </p:nvCxnSpPr>
         <p:spPr>
           <a:xfrm flipH="1" flipV="1">
-            <a:off x="2155825" y="1146766"/>
+            <a:off x="2155825" y="1739431"/>
             <a:ext cx="667725" cy="1"/>
           </a:xfrm>
           <a:prstGeom prst="line">
@@ -5221,7 +5223,7 @@
         </p:nvSpPr>
         <p:spPr>
           <a:xfrm>
-            <a:off x="1563620" y="777435"/>
+            <a:off x="1563620" y="1370100"/>
             <a:ext cx="1579617" cy="369332"/>
           </a:xfrm>
           <a:prstGeom prst="rect">
@@ -5256,7 +5258,7 @@
         </p:nvSpPr>
         <p:spPr>
           <a:xfrm>
-            <a:off x="9115515" y="5763581"/>
+            <a:off x="9115515" y="4595184"/>
             <a:ext cx="90495" cy="90495"/>
           </a:xfrm>
           <a:prstGeom prst="flowChartConnector">
@@ -5311,7 +5313,7 @@
         </p:nvCxnSpPr>
         <p:spPr>
           <a:xfrm flipH="1">
-            <a:off x="9206010" y="5808829"/>
+            <a:off x="9206010" y="4640432"/>
             <a:ext cx="667112" cy="0"/>
           </a:xfrm>
           <a:prstGeom prst="line">
@@ -5352,7 +5354,7 @@
         </p:nvSpPr>
         <p:spPr>
           <a:xfrm>
-            <a:off x="9232130" y="5440528"/>
+            <a:off x="9232130" y="4272131"/>
             <a:ext cx="1579617" cy="369332"/>
           </a:xfrm>
           <a:prstGeom prst="rect">
@@ -5390,7 +5392,7 @@
         </p:nvCxnSpPr>
         <p:spPr>
           <a:xfrm flipH="1" flipV="1">
-            <a:off x="8793712" y="4048520"/>
+            <a:off x="8793712" y="3477018"/>
             <a:ext cx="1075388" cy="0"/>
           </a:xfrm>
           <a:prstGeom prst="line">
@@ -5432,7 +5434,7 @@
         </p:nvSpPr>
         <p:spPr>
           <a:xfrm>
-            <a:off x="9683691" y="3679258"/>
+            <a:off x="9683691" y="3107765"/>
             <a:ext cx="909728" cy="369332"/>
           </a:xfrm>
           <a:prstGeom prst="rect">
@@ -5547,7 +5549,7 @@
         </p:nvSpPr>
         <p:spPr>
           <a:xfrm>
-            <a:off x="1582405" y="4290781"/>
+            <a:off x="1582405" y="3719279"/>
             <a:ext cx="1579617" cy="369332"/>
           </a:xfrm>
           <a:prstGeom prst="rect">
@@ -5671,7 +5673,7 @@
         </p:nvSpPr>
         <p:spPr>
           <a:xfrm>
-            <a:off x="8534189" y="3918758"/>
+            <a:off x="8534189" y="3347256"/>
             <a:ext cx="259523" cy="259523"/>
           </a:xfrm>
           <a:prstGeom prst="flowChartDelay">
@@ -5718,7 +5720,7 @@
         </p:nvSpPr>
         <p:spPr>
           <a:xfrm>
-            <a:off x="8447243" y="3950393"/>
+            <a:off x="8447243" y="3378891"/>
             <a:ext cx="77514" cy="77514"/>
           </a:xfrm>
           <a:prstGeom prst="flowChartConnector">
@@ -5772,7 +5774,7 @@
         </p:nvSpPr>
         <p:spPr>
           <a:xfrm>
-            <a:off x="8537459" y="4068805"/>
+            <a:off x="8537459" y="3497303"/>
             <a:ext cx="77514" cy="77514"/>
           </a:xfrm>
           <a:prstGeom prst="flowChartConnector">
@@ -5826,7 +5828,7 @@
         </p:nvCxnSpPr>
         <p:spPr>
           <a:xfrm flipV="1">
-            <a:off x="8176585" y="4107562"/>
+            <a:off x="8176585" y="3536060"/>
             <a:ext cx="360874" cy="560397"/>
           </a:xfrm>
           <a:prstGeom prst="bentConnector3">
@@ -5982,7 +5984,7 @@
         </p:nvCxnSpPr>
         <p:spPr>
           <a:xfrm>
-            <a:off x="3386861" y="2772840"/>
+            <a:off x="3391625" y="2769664"/>
             <a:ext cx="113982" cy="0"/>
           </a:xfrm>
           <a:prstGeom prst="line">
@@ -6027,7 +6029,7 @@
         </p:nvCxnSpPr>
         <p:spPr>
           <a:xfrm>
-            <a:off x="3384068" y="3032444"/>
+            <a:off x="3387244" y="3033494"/>
             <a:ext cx="113982" cy="0"/>
           </a:xfrm>
           <a:prstGeom prst="line">
@@ -6334,8 +6336,8 @@
         </p:nvCxnSpPr>
         <p:spPr>
           <a:xfrm rot="16200000" flipV="1">
-            <a:off x="3399056" y="2959311"/>
-            <a:ext cx="1665870" cy="1659710"/>
+            <a:off x="3684807" y="2673560"/>
+            <a:ext cx="1094368" cy="1659710"/>
           </a:xfrm>
           <a:prstGeom prst="bentConnector2">
             <a:avLst/>
@@ -6424,8 +6426,8 @@
         </p:nvCxnSpPr>
         <p:spPr>
           <a:xfrm flipV="1">
-            <a:off x="7379814" y="5009077"/>
-            <a:ext cx="340" cy="754504"/>
+            <a:off x="7379814" y="4437575"/>
+            <a:ext cx="340" cy="157609"/>
           </a:xfrm>
           <a:prstGeom prst="straightConnector1">
             <a:avLst/>
@@ -6466,8 +6468,8 @@
         </p:nvCxnSpPr>
         <p:spPr>
           <a:xfrm flipH="1">
-            <a:off x="4637427" y="1192015"/>
-            <a:ext cx="1" cy="767657"/>
+            <a:off x="4637427" y="1784680"/>
+            <a:ext cx="1" cy="174992"/>
           </a:xfrm>
           <a:prstGeom prst="straightConnector1">
             <a:avLst/>

--- a/fig/full_empty_circuit.pptx
+++ b/fig/full_empty_circuit.pptx
@@ -4151,8 +4151,8 @@
         </p:nvCxnSpPr>
         <p:spPr>
           <a:xfrm>
-            <a:off x="4682675" y="1739433"/>
-            <a:ext cx="1017409" cy="225006"/>
+            <a:off x="4682675" y="1749593"/>
+            <a:ext cx="1017409" cy="214846"/>
           </a:xfrm>
           <a:prstGeom prst="bentConnector2">
             <a:avLst/>
@@ -4243,12 +4243,12 @@
         </p:nvCxnSpPr>
         <p:spPr>
           <a:xfrm rot="16200000" flipH="1">
-            <a:off x="2428502" y="2224975"/>
-            <a:ext cx="2651587" cy="1770994"/>
+            <a:off x="2433582" y="2230055"/>
+            <a:ext cx="2641427" cy="1770994"/>
           </a:xfrm>
           <a:prstGeom prst="bentConnector3">
             <a:avLst>
-              <a:gd name="adj1" fmla="val 108621"/>
+              <a:gd name="adj1" fmla="val 107885"/>
             </a:avLst>
           </a:prstGeom>
           <a:ln w="19050">
@@ -4296,7 +4296,7 @@
           </a:xfrm>
           <a:prstGeom prst="bentConnector3">
             <a:avLst>
-              <a:gd name="adj1" fmla="val 108674"/>
+              <a:gd name="adj1" fmla="val 108096"/>
             </a:avLst>
           </a:prstGeom>
           <a:ln w="19050">
@@ -4641,7 +4641,7 @@
         </p:nvSpPr>
         <p:spPr>
           <a:xfrm>
-            <a:off x="4592180" y="1694185"/>
+            <a:off x="4592180" y="1704345"/>
             <a:ext cx="90495" cy="90495"/>
           </a:xfrm>
           <a:prstGeom prst="flowChartConnector">
@@ -4697,7 +4697,7 @@
         </p:nvCxnSpPr>
         <p:spPr>
           <a:xfrm>
-            <a:off x="2914045" y="1739432"/>
+            <a:off x="2914045" y="1749592"/>
             <a:ext cx="1678135" cy="1"/>
           </a:xfrm>
           <a:prstGeom prst="line">
@@ -5127,7 +5127,7 @@
         </p:nvSpPr>
         <p:spPr>
           <a:xfrm>
-            <a:off x="2823550" y="1694184"/>
+            <a:off x="2823550" y="1704344"/>
             <a:ext cx="90495" cy="90495"/>
           </a:xfrm>
           <a:prstGeom prst="flowChartConnector">
@@ -5182,7 +5182,7 @@
         </p:nvCxnSpPr>
         <p:spPr>
           <a:xfrm flipH="1" flipV="1">
-            <a:off x="2155825" y="1739431"/>
+            <a:off x="2155825" y="1749591"/>
             <a:ext cx="667725" cy="1"/>
           </a:xfrm>
           <a:prstGeom prst="line">
@@ -5223,7 +5223,7 @@
         </p:nvSpPr>
         <p:spPr>
           <a:xfrm>
-            <a:off x="1563620" y="1370100"/>
+            <a:off x="1563620" y="1380260"/>
             <a:ext cx="1579617" cy="369332"/>
           </a:xfrm>
           <a:prstGeom prst="rect">
@@ -6468,8 +6468,8 @@
         </p:nvCxnSpPr>
         <p:spPr>
           <a:xfrm flipH="1">
-            <a:off x="4637427" y="1784680"/>
-            <a:ext cx="1" cy="174992"/>
+            <a:off x="4637427" y="1794840"/>
+            <a:ext cx="1" cy="164832"/>
           </a:xfrm>
           <a:prstGeom prst="straightConnector1">
             <a:avLst/>

--- a/fig/full_empty_circuit.pptx
+++ b/fig/full_empty_circuit.pptx
@@ -259,7 +259,7 @@
           <a:p>
             <a:fld id="{35E1535C-2098-424B-897A-FF8113BB4E98}" type="datetimeFigureOut">
               <a:rPr lang="en-US" smtClean="0"/>
-              <a:t>11/17/2020</a:t>
+              <a:t>11/23/2020</a:t>
             </a:fld>
             <a:endParaRPr lang="en-US"/>
           </a:p>
@@ -457,7 +457,7 @@
           <a:p>
             <a:fld id="{35E1535C-2098-424B-897A-FF8113BB4E98}" type="datetimeFigureOut">
               <a:rPr lang="en-US" smtClean="0"/>
-              <a:t>11/17/2020</a:t>
+              <a:t>11/23/2020</a:t>
             </a:fld>
             <a:endParaRPr lang="en-US"/>
           </a:p>
@@ -665,7 +665,7 @@
           <a:p>
             <a:fld id="{35E1535C-2098-424B-897A-FF8113BB4E98}" type="datetimeFigureOut">
               <a:rPr lang="en-US" smtClean="0"/>
-              <a:t>11/17/2020</a:t>
+              <a:t>11/23/2020</a:t>
             </a:fld>
             <a:endParaRPr lang="en-US"/>
           </a:p>
@@ -863,7 +863,7 @@
           <a:p>
             <a:fld id="{35E1535C-2098-424B-897A-FF8113BB4E98}" type="datetimeFigureOut">
               <a:rPr lang="en-US" smtClean="0"/>
-              <a:t>11/17/2020</a:t>
+              <a:t>11/23/2020</a:t>
             </a:fld>
             <a:endParaRPr lang="en-US"/>
           </a:p>
@@ -1138,7 +1138,7 @@
           <a:p>
             <a:fld id="{35E1535C-2098-424B-897A-FF8113BB4E98}" type="datetimeFigureOut">
               <a:rPr lang="en-US" smtClean="0"/>
-              <a:t>11/17/2020</a:t>
+              <a:t>11/23/2020</a:t>
             </a:fld>
             <a:endParaRPr lang="en-US"/>
           </a:p>
@@ -1403,7 +1403,7 @@
           <a:p>
             <a:fld id="{35E1535C-2098-424B-897A-FF8113BB4E98}" type="datetimeFigureOut">
               <a:rPr lang="en-US" smtClean="0"/>
-              <a:t>11/17/2020</a:t>
+              <a:t>11/23/2020</a:t>
             </a:fld>
             <a:endParaRPr lang="en-US"/>
           </a:p>
@@ -1815,7 +1815,7 @@
           <a:p>
             <a:fld id="{35E1535C-2098-424B-897A-FF8113BB4E98}" type="datetimeFigureOut">
               <a:rPr lang="en-US" smtClean="0"/>
-              <a:t>11/17/2020</a:t>
+              <a:t>11/23/2020</a:t>
             </a:fld>
             <a:endParaRPr lang="en-US"/>
           </a:p>
@@ -1956,7 +1956,7 @@
           <a:p>
             <a:fld id="{35E1535C-2098-424B-897A-FF8113BB4E98}" type="datetimeFigureOut">
               <a:rPr lang="en-US" smtClean="0"/>
-              <a:t>11/17/2020</a:t>
+              <a:t>11/23/2020</a:t>
             </a:fld>
             <a:endParaRPr lang="en-US"/>
           </a:p>
@@ -2069,7 +2069,7 @@
           <a:p>
             <a:fld id="{35E1535C-2098-424B-897A-FF8113BB4E98}" type="datetimeFigureOut">
               <a:rPr lang="en-US" smtClean="0"/>
-              <a:t>11/17/2020</a:t>
+              <a:t>11/23/2020</a:t>
             </a:fld>
             <a:endParaRPr lang="en-US"/>
           </a:p>
@@ -2380,7 +2380,7 @@
           <a:p>
             <a:fld id="{35E1535C-2098-424B-897A-FF8113BB4E98}" type="datetimeFigureOut">
               <a:rPr lang="en-US" smtClean="0"/>
-              <a:t>11/17/2020</a:t>
+              <a:t>11/23/2020</a:t>
             </a:fld>
             <a:endParaRPr lang="en-US"/>
           </a:p>
@@ -2668,7 +2668,7 @@
           <a:p>
             <a:fld id="{35E1535C-2098-424B-897A-FF8113BB4E98}" type="datetimeFigureOut">
               <a:rPr lang="en-US" smtClean="0"/>
-              <a:t>11/17/2020</a:t>
+              <a:t>11/23/2020</a:t>
             </a:fld>
             <a:endParaRPr lang="en-US"/>
           </a:p>
@@ -2909,7 +2909,7 @@
           <a:p>
             <a:fld id="{35E1535C-2098-424B-897A-FF8113BB4E98}" type="datetimeFigureOut">
               <a:rPr lang="en-US" smtClean="0"/>
-              <a:t>11/17/2020</a:t>
+              <a:t>11/23/2020</a:t>
             </a:fld>
             <a:endParaRPr lang="en-US"/>
           </a:p>
@@ -5549,7 +5549,7 @@
         </p:nvSpPr>
         <p:spPr>
           <a:xfrm>
-            <a:off x="1582405" y="3719279"/>
+            <a:off x="1565779" y="3719279"/>
             <a:ext cx="1579617" cy="369332"/>
           </a:xfrm>
           <a:prstGeom prst="rect">
@@ -5565,7 +5565,7 @@
           <a:p>
             <a:r>
               <a:rPr lang="en-US" dirty="0"/>
-              <a:t>set empty</a:t>
+              <a:t>set full</a:t>
             </a:r>
           </a:p>
         </p:txBody>
@@ -5584,8 +5584,8 @@
         </p:nvSpPr>
         <p:spPr>
           <a:xfrm>
-            <a:off x="9733878" y="1929692"/>
-            <a:ext cx="909728" cy="369332"/>
+            <a:off x="9442932" y="1929692"/>
+            <a:ext cx="1147482" cy="369332"/>
           </a:xfrm>
           <a:prstGeom prst="rect">
             <a:avLst/>
@@ -5600,7 +5600,7 @@
           <a:p>
             <a:r>
               <a:rPr lang="en-US" dirty="0"/>
-              <a:t>set full</a:t>
+              <a:t>set empty</a:t>
             </a:r>
           </a:p>
         </p:txBody>

--- a/fig/full_empty_circuit.pptx
+++ b/fig/full_empty_circuit.pptx
@@ -259,7 +259,7 @@
           <a:p>
             <a:fld id="{35E1535C-2098-424B-897A-FF8113BB4E98}" type="datetimeFigureOut">
               <a:rPr lang="en-US" smtClean="0"/>
-              <a:t>11/23/2020</a:t>
+              <a:t>11/28/2020</a:t>
             </a:fld>
             <a:endParaRPr lang="en-US"/>
           </a:p>
@@ -457,7 +457,7 @@
           <a:p>
             <a:fld id="{35E1535C-2098-424B-897A-FF8113BB4E98}" type="datetimeFigureOut">
               <a:rPr lang="en-US" smtClean="0"/>
-              <a:t>11/23/2020</a:t>
+              <a:t>11/28/2020</a:t>
             </a:fld>
             <a:endParaRPr lang="en-US"/>
           </a:p>
@@ -665,7 +665,7 @@
           <a:p>
             <a:fld id="{35E1535C-2098-424B-897A-FF8113BB4E98}" type="datetimeFigureOut">
               <a:rPr lang="en-US" smtClean="0"/>
-              <a:t>11/23/2020</a:t>
+              <a:t>11/28/2020</a:t>
             </a:fld>
             <a:endParaRPr lang="en-US"/>
           </a:p>
@@ -863,7 +863,7 @@
           <a:p>
             <a:fld id="{35E1535C-2098-424B-897A-FF8113BB4E98}" type="datetimeFigureOut">
               <a:rPr lang="en-US" smtClean="0"/>
-              <a:t>11/23/2020</a:t>
+              <a:t>11/28/2020</a:t>
             </a:fld>
             <a:endParaRPr lang="en-US"/>
           </a:p>
@@ -1138,7 +1138,7 @@
           <a:p>
             <a:fld id="{35E1535C-2098-424B-897A-FF8113BB4E98}" type="datetimeFigureOut">
               <a:rPr lang="en-US" smtClean="0"/>
-              <a:t>11/23/2020</a:t>
+              <a:t>11/28/2020</a:t>
             </a:fld>
             <a:endParaRPr lang="en-US"/>
           </a:p>
@@ -1403,7 +1403,7 @@
           <a:p>
             <a:fld id="{35E1535C-2098-424B-897A-FF8113BB4E98}" type="datetimeFigureOut">
               <a:rPr lang="en-US" smtClean="0"/>
-              <a:t>11/23/2020</a:t>
+              <a:t>11/28/2020</a:t>
             </a:fld>
             <a:endParaRPr lang="en-US"/>
           </a:p>
@@ -1815,7 +1815,7 @@
           <a:p>
             <a:fld id="{35E1535C-2098-424B-897A-FF8113BB4E98}" type="datetimeFigureOut">
               <a:rPr lang="en-US" smtClean="0"/>
-              <a:t>11/23/2020</a:t>
+              <a:t>11/28/2020</a:t>
             </a:fld>
             <a:endParaRPr lang="en-US"/>
           </a:p>
@@ -1956,7 +1956,7 @@
           <a:p>
             <a:fld id="{35E1535C-2098-424B-897A-FF8113BB4E98}" type="datetimeFigureOut">
               <a:rPr lang="en-US" smtClean="0"/>
-              <a:t>11/23/2020</a:t>
+              <a:t>11/28/2020</a:t>
             </a:fld>
             <a:endParaRPr lang="en-US"/>
           </a:p>
@@ -2069,7 +2069,7 @@
           <a:p>
             <a:fld id="{35E1535C-2098-424B-897A-FF8113BB4E98}" type="datetimeFigureOut">
               <a:rPr lang="en-US" smtClean="0"/>
-              <a:t>11/23/2020</a:t>
+              <a:t>11/28/2020</a:t>
             </a:fld>
             <a:endParaRPr lang="en-US"/>
           </a:p>
@@ -2380,7 +2380,7 @@
           <a:p>
             <a:fld id="{35E1535C-2098-424B-897A-FF8113BB4E98}" type="datetimeFigureOut">
               <a:rPr lang="en-US" smtClean="0"/>
-              <a:t>11/23/2020</a:t>
+              <a:t>11/28/2020</a:t>
             </a:fld>
             <a:endParaRPr lang="en-US"/>
           </a:p>
@@ -2668,7 +2668,7 @@
           <a:p>
             <a:fld id="{35E1535C-2098-424B-897A-FF8113BB4E98}" type="datetimeFigureOut">
               <a:rPr lang="en-US" smtClean="0"/>
-              <a:t>11/23/2020</a:t>
+              <a:t>11/28/2020</a:t>
             </a:fld>
             <a:endParaRPr lang="en-US"/>
           </a:p>
@@ -2909,7 +2909,7 @@
           <a:p>
             <a:fld id="{35E1535C-2098-424B-897A-FF8113BB4E98}" type="datetimeFigureOut">
               <a:rPr lang="en-US" smtClean="0"/>
-              <a:t>11/23/2020</a:t>
+              <a:t>11/28/2020</a:t>
             </a:fld>
             <a:endParaRPr lang="en-US"/>
           </a:p>
@@ -5400,7 +5400,7 @@
           </a:prstGeom>
           <a:ln w="31750">
             <a:solidFill>
-              <a:schemeClr val="tx1"/>
+              <a:schemeClr val="accent2"/>
             </a:solidFill>
             <a:headEnd type="triangle"/>
           </a:ln>
